--- a/Presentations/Caravanserai - Phase 3.pptx
+++ b/Presentations/Caravanserai - Phase 3.pptx
@@ -6901,13 +6901,8 @@
             </a:pPr>
             <a:r>
               <a:rPr lang="en-US" sz="2400" dirty="0"/>
-              <a:t>Color scheme </a:t>
-            </a:r>
-            <a:r>
-              <a:rPr lang="en-US" sz="2400"/>
-              <a:t>more eyewatering</a:t>
-            </a:r>
-            <a:endParaRPr lang="en-US" sz="2400" dirty="0"/>
+              <a:t>Color scheme more eyewatering</a:t>
+            </a:r>
           </a:p>
           <a:p>
             <a:pPr marL="342900" indent="-342900">
@@ -7275,6 +7270,24 @@
               <a:rPr lang="en-US" sz="2400" dirty="0"/>
               <a:t>Finding a suitable frontend experience</a:t>
             </a:r>
+          </a:p>
+          <a:p>
+            <a:pPr marL="342900" indent="-342900">
+              <a:buFont typeface="Arial" panose="020B0604020202020204" pitchFamily="34" charset="0"/>
+              <a:buChar char="•"/>
+            </a:pPr>
+            <a:endParaRPr lang="en-US" sz="2400" dirty="0"/>
+          </a:p>
+          <a:p>
+            <a:pPr marL="342900" indent="-342900">
+              <a:buFont typeface="Arial" panose="020B0604020202020204" pitchFamily="34" charset="0"/>
+              <a:buChar char="•"/>
+            </a:pPr>
+            <a:r>
+              <a:rPr lang="en-US" sz="2400"/>
+              <a:t>Illness</a:t>
+            </a:r>
+            <a:endParaRPr lang="en-US" sz="2400" dirty="0"/>
           </a:p>
           <a:p>
             <a:pPr marL="342900" indent="-342900">

--- a/Presentations/Caravanserai - Phase 3.pptx
+++ b/Presentations/Caravanserai - Phase 3.pptx
@@ -6467,7 +6467,7 @@
           <a:p>
             <a:r>
               <a:rPr lang="en-US" dirty="0"/>
-              <a:t>What we have Built</a:t>
+              <a:t>What Has been Built</a:t>
             </a:r>
           </a:p>
         </p:txBody>
@@ -6715,7 +6715,15 @@
             </a:pPr>
             <a:r>
               <a:rPr lang="en-US" sz="2400" dirty="0"/>
-              <a:t>Upgraded user IDs into GUIDs</a:t>
+              <a:t>Upgraded user </a:t>
+            </a:r>
+            <a:r>
+              <a:rPr lang="en-US" sz="2400"/>
+              <a:t>and group </a:t>
+            </a:r>
+            <a:r>
+              <a:rPr lang="en-US" sz="2400" dirty="0"/>
+              <a:t>IDs into GUIDs</a:t>
             </a:r>
           </a:p>
           <a:p>
@@ -7284,10 +7292,9 @@
               <a:buChar char="•"/>
             </a:pPr>
             <a:r>
-              <a:rPr lang="en-US" sz="2400"/>
+              <a:rPr lang="en-US" sz="2400" dirty="0"/>
               <a:t>Illness</a:t>
             </a:r>
-            <a:endParaRPr lang="en-US" sz="2400" dirty="0"/>
           </a:p>
           <a:p>
             <a:pPr marL="342900" indent="-342900">

--- a/Presentations/Caravanserai - Phase 3.pptx
+++ b/Presentations/Caravanserai - Phase 3.pptx
@@ -6715,15 +6715,7 @@
             </a:pPr>
             <a:r>
               <a:rPr lang="en-US" sz="2400" dirty="0"/>
-              <a:t>Upgraded user </a:t>
-            </a:r>
-            <a:r>
-              <a:rPr lang="en-US" sz="2400"/>
-              <a:t>and group </a:t>
-            </a:r>
-            <a:r>
-              <a:rPr lang="en-US" sz="2400" dirty="0"/>
-              <a:t>IDs into GUIDs</a:t>
+              <a:t>Upgraded user and group IDs into GUIDs</a:t>
             </a:r>
           </a:p>
           <a:p>
@@ -6929,6 +6921,41 @@
               <a:t>Logo</a:t>
             </a:r>
           </a:p>
+          <a:p>
+            <a:pPr marL="342900" indent="-342900">
+              <a:buFont typeface="Arial" panose="020B0604020202020204" pitchFamily="34" charset="0"/>
+              <a:buChar char="•"/>
+            </a:pPr>
+            <a:endParaRPr lang="en-US" sz="2400" dirty="0"/>
+          </a:p>
+          <a:p>
+            <a:pPr marL="342900" indent="-342900">
+              <a:buFont typeface="Arial" panose="020B0604020202020204" pitchFamily="34" charset="0"/>
+              <a:buChar char="•"/>
+            </a:pPr>
+            <a:r>
+              <a:rPr lang="en-US" sz="2400" dirty="0"/>
+              <a:t>Updates to user experience</a:t>
+            </a:r>
+          </a:p>
+          <a:p>
+            <a:pPr marL="342900" indent="-342900">
+              <a:buFont typeface="Arial" panose="020B0604020202020204" pitchFamily="34" charset="0"/>
+              <a:buChar char="•"/>
+            </a:pPr>
+            <a:endParaRPr lang="en-US" sz="2400" dirty="0"/>
+          </a:p>
+          <a:p>
+            <a:pPr marL="342900" indent="-342900">
+              <a:buFont typeface="Arial" panose="020B0604020202020204" pitchFamily="34" charset="0"/>
+              <a:buChar char="•"/>
+            </a:pPr>
+            <a:r>
+              <a:rPr lang="en-US" sz="2400"/>
+              <a:t>Images of products</a:t>
+            </a:r>
+            <a:endParaRPr lang="en-US" sz="2400" dirty="0"/>
+          </a:p>
         </p:txBody>
       </p:sp>
       <p:sp>
@@ -7069,7 +7096,7 @@
             </a:pPr>
             <a:r>
               <a:rPr lang="en-US" sz="2400" dirty="0"/>
-              <a:t>Improvements to user experience</a:t>
+              <a:t>Further improvements to user experience</a:t>
             </a:r>
           </a:p>
           <a:p>
@@ -7276,7 +7303,7 @@
             </a:pPr>
             <a:r>
               <a:rPr lang="en-US" sz="2400" dirty="0"/>
-              <a:t>Finding a suitable frontend experience</a:t>
+              <a:t>Finding a suitable frontend template</a:t>
             </a:r>
           </a:p>
           <a:p>

--- a/Presentations/Caravanserai - Phase 3.pptx
+++ b/Presentations/Caravanserai - Phase 3.pptx
@@ -6706,7 +6706,10 @@
               <a:buFont typeface="Arial" panose="020B0604020202020204" pitchFamily="34" charset="0"/>
               <a:buChar char="•"/>
             </a:pPr>
-            <a:endParaRPr lang="en-US" sz="2400" dirty="0"/>
+            <a:r>
+              <a:rPr lang="en-US" sz="2400" dirty="0"/>
+              <a:t>Upgraded user and group IDs into GUIDs</a:t>
+            </a:r>
           </a:p>
           <a:p>
             <a:pPr marL="342900" indent="-342900">
@@ -6715,7 +6718,41 @@
             </a:pPr>
             <a:r>
               <a:rPr lang="en-US" sz="2400" dirty="0"/>
-              <a:t>Upgraded user and group IDs into GUIDs</a:t>
+              <a:t>Protected against SQL injection</a:t>
+            </a:r>
+          </a:p>
+          <a:p>
+            <a:pPr marL="342900" indent="-342900">
+              <a:buFont typeface="Arial" panose="020B0604020202020204" pitchFamily="34" charset="0"/>
+              <a:buChar char="•"/>
+            </a:pPr>
+            <a:r>
+              <a:rPr lang="en-US" sz="2400" dirty="0"/>
+              <a:t>Admin ID system</a:t>
+            </a:r>
+          </a:p>
+          <a:p>
+            <a:pPr marL="342900" indent="-342900">
+              <a:buFont typeface="Arial" panose="020B0604020202020204" pitchFamily="34" charset="0"/>
+              <a:buChar char="•"/>
+            </a:pPr>
+            <a:r>
+              <a:rPr lang="en-US" sz="2400" dirty="0" err="1"/>
+              <a:t>Mockaroo</a:t>
+            </a:r>
+            <a:r>
+              <a:rPr lang="en-US" sz="2400" dirty="0"/>
+              <a:t> test data compliant</a:t>
+            </a:r>
+          </a:p>
+          <a:p>
+            <a:pPr marL="342900" indent="-342900">
+              <a:buFont typeface="Arial" panose="020B0604020202020204" pitchFamily="34" charset="0"/>
+              <a:buChar char="•"/>
+            </a:pPr>
+            <a:r>
+              <a:rPr lang="en-US" sz="2400" dirty="0"/>
+              <a:t>Images of products</a:t>
             </a:r>
           </a:p>
           <a:p>
@@ -6724,54 +6761,6 @@
               <a:buChar char="•"/>
             </a:pPr>
             <a:endParaRPr lang="en-US" sz="2400" dirty="0"/>
-          </a:p>
-          <a:p>
-            <a:pPr marL="342900" indent="-342900">
-              <a:buFont typeface="Arial" panose="020B0604020202020204" pitchFamily="34" charset="0"/>
-              <a:buChar char="•"/>
-            </a:pPr>
-            <a:r>
-              <a:rPr lang="en-US" sz="2400" dirty="0"/>
-              <a:t>Protected against SQL injection</a:t>
-            </a:r>
-          </a:p>
-          <a:p>
-            <a:pPr marL="342900" indent="-342900">
-              <a:buFont typeface="Arial" panose="020B0604020202020204" pitchFamily="34" charset="0"/>
-              <a:buChar char="•"/>
-            </a:pPr>
-            <a:endParaRPr lang="en-US" sz="2400" dirty="0"/>
-          </a:p>
-          <a:p>
-            <a:pPr marL="342900" indent="-342900">
-              <a:buFont typeface="Arial" panose="020B0604020202020204" pitchFamily="34" charset="0"/>
-              <a:buChar char="•"/>
-            </a:pPr>
-            <a:r>
-              <a:rPr lang="en-US" sz="2400" dirty="0"/>
-              <a:t>Admin ID system</a:t>
-            </a:r>
-          </a:p>
-          <a:p>
-            <a:pPr marL="342900" indent="-342900">
-              <a:buFont typeface="Arial" panose="020B0604020202020204" pitchFamily="34" charset="0"/>
-              <a:buChar char="•"/>
-            </a:pPr>
-            <a:endParaRPr lang="en-US" sz="2400" dirty="0"/>
-          </a:p>
-          <a:p>
-            <a:pPr marL="342900" indent="-342900">
-              <a:buFont typeface="Arial" panose="020B0604020202020204" pitchFamily="34" charset="0"/>
-              <a:buChar char="•"/>
-            </a:pPr>
-            <a:r>
-              <a:rPr lang="en-US" sz="2400" dirty="0" err="1"/>
-              <a:t>Mockaroo</a:t>
-            </a:r>
-            <a:r>
-              <a:rPr lang="en-US" sz="2400" dirty="0"/>
-              <a:t> test data compliant</a:t>
-            </a:r>
           </a:p>
         </p:txBody>
       </p:sp>
@@ -6921,41 +6910,6 @@
               <a:t>Logo</a:t>
             </a:r>
           </a:p>
-          <a:p>
-            <a:pPr marL="342900" indent="-342900">
-              <a:buFont typeface="Arial" panose="020B0604020202020204" pitchFamily="34" charset="0"/>
-              <a:buChar char="•"/>
-            </a:pPr>
-            <a:endParaRPr lang="en-US" sz="2400" dirty="0"/>
-          </a:p>
-          <a:p>
-            <a:pPr marL="342900" indent="-342900">
-              <a:buFont typeface="Arial" panose="020B0604020202020204" pitchFamily="34" charset="0"/>
-              <a:buChar char="•"/>
-            </a:pPr>
-            <a:r>
-              <a:rPr lang="en-US" sz="2400" dirty="0"/>
-              <a:t>Updates to user experience</a:t>
-            </a:r>
-          </a:p>
-          <a:p>
-            <a:pPr marL="342900" indent="-342900">
-              <a:buFont typeface="Arial" panose="020B0604020202020204" pitchFamily="34" charset="0"/>
-              <a:buChar char="•"/>
-            </a:pPr>
-            <a:endParaRPr lang="en-US" sz="2400" dirty="0"/>
-          </a:p>
-          <a:p>
-            <a:pPr marL="342900" indent="-342900">
-              <a:buFont typeface="Arial" panose="020B0604020202020204" pitchFamily="34" charset="0"/>
-              <a:buChar char="•"/>
-            </a:pPr>
-            <a:r>
-              <a:rPr lang="en-US" sz="2400"/>
-              <a:t>Images of products</a:t>
-            </a:r>
-            <a:endParaRPr lang="en-US" sz="2400" dirty="0"/>
-          </a:p>
         </p:txBody>
       </p:sp>
       <p:sp>
@@ -7079,7 +7033,7 @@
             </a:pPr>
             <a:r>
               <a:rPr lang="en-US" sz="2400" dirty="0"/>
-              <a:t>Images and individual product listings</a:t>
+              <a:t>Individual product listings</a:t>
             </a:r>
           </a:p>
           <a:p>
